--- a/documentacao/pptTermoLABs.pptx
+++ b/documentacao/pptTermoLABs.pptx
@@ -301,7 +301,7 @@
           <a:p>
             <a:fld id="{FD539F42-8EA0-4C55-A4F3-949C867DBEF5}" type="datetimeFigureOut">
               <a:rPr lang="pt-BR" smtClean="0"/>
-              <a:t>09/12/2020</a:t>
+              <a:t>11/12/2020</a:t>
             </a:fld>
             <a:endParaRPr lang="pt-BR"/>
           </a:p>
@@ -471,7 +471,7 @@
           <a:p>
             <a:fld id="{FD539F42-8EA0-4C55-A4F3-949C867DBEF5}" type="datetimeFigureOut">
               <a:rPr lang="pt-BR" smtClean="0"/>
-              <a:t>09/12/2020</a:t>
+              <a:t>11/12/2020</a:t>
             </a:fld>
             <a:endParaRPr lang="pt-BR"/>
           </a:p>
@@ -651,7 +651,7 @@
           <a:p>
             <a:fld id="{FD539F42-8EA0-4C55-A4F3-949C867DBEF5}" type="datetimeFigureOut">
               <a:rPr lang="pt-BR" smtClean="0"/>
-              <a:t>09/12/2020</a:t>
+              <a:t>11/12/2020</a:t>
             </a:fld>
             <a:endParaRPr lang="pt-BR"/>
           </a:p>
@@ -821,7 +821,7 @@
           <a:p>
             <a:fld id="{FD539F42-8EA0-4C55-A4F3-949C867DBEF5}" type="datetimeFigureOut">
               <a:rPr lang="pt-BR" smtClean="0"/>
-              <a:t>09/12/2020</a:t>
+              <a:t>11/12/2020</a:t>
             </a:fld>
             <a:endParaRPr lang="pt-BR"/>
           </a:p>
@@ -1067,7 +1067,7 @@
           <a:p>
             <a:fld id="{FD539F42-8EA0-4C55-A4F3-949C867DBEF5}" type="datetimeFigureOut">
               <a:rPr lang="pt-BR" smtClean="0"/>
-              <a:t>09/12/2020</a:t>
+              <a:t>11/12/2020</a:t>
             </a:fld>
             <a:endParaRPr lang="pt-BR"/>
           </a:p>
@@ -1355,7 +1355,7 @@
           <a:p>
             <a:fld id="{FD539F42-8EA0-4C55-A4F3-949C867DBEF5}" type="datetimeFigureOut">
               <a:rPr lang="pt-BR" smtClean="0"/>
-              <a:t>09/12/2020</a:t>
+              <a:t>11/12/2020</a:t>
             </a:fld>
             <a:endParaRPr lang="pt-BR"/>
           </a:p>
@@ -1777,7 +1777,7 @@
           <a:p>
             <a:fld id="{FD539F42-8EA0-4C55-A4F3-949C867DBEF5}" type="datetimeFigureOut">
               <a:rPr lang="pt-BR" smtClean="0"/>
-              <a:t>09/12/2020</a:t>
+              <a:t>11/12/2020</a:t>
             </a:fld>
             <a:endParaRPr lang="pt-BR"/>
           </a:p>
@@ -1895,7 +1895,7 @@
           <a:p>
             <a:fld id="{FD539F42-8EA0-4C55-A4F3-949C867DBEF5}" type="datetimeFigureOut">
               <a:rPr lang="pt-BR" smtClean="0"/>
-              <a:t>09/12/2020</a:t>
+              <a:t>11/12/2020</a:t>
             </a:fld>
             <a:endParaRPr lang="pt-BR"/>
           </a:p>
@@ -1990,7 +1990,7 @@
           <a:p>
             <a:fld id="{FD539F42-8EA0-4C55-A4F3-949C867DBEF5}" type="datetimeFigureOut">
               <a:rPr lang="pt-BR" smtClean="0"/>
-              <a:t>09/12/2020</a:t>
+              <a:t>11/12/2020</a:t>
             </a:fld>
             <a:endParaRPr lang="pt-BR"/>
           </a:p>
@@ -2267,7 +2267,7 @@
           <a:p>
             <a:fld id="{FD539F42-8EA0-4C55-A4F3-949C867DBEF5}" type="datetimeFigureOut">
               <a:rPr lang="pt-BR" smtClean="0"/>
-              <a:t>09/12/2020</a:t>
+              <a:t>11/12/2020</a:t>
             </a:fld>
             <a:endParaRPr lang="pt-BR"/>
           </a:p>
@@ -2520,7 +2520,7 @@
           <a:p>
             <a:fld id="{FD539F42-8EA0-4C55-A4F3-949C867DBEF5}" type="datetimeFigureOut">
               <a:rPr lang="pt-BR" smtClean="0"/>
-              <a:t>09/12/2020</a:t>
+              <a:t>11/12/2020</a:t>
             </a:fld>
             <a:endParaRPr lang="pt-BR"/>
           </a:p>
@@ -2733,7 +2733,7 @@
           <a:p>
             <a:fld id="{FD539F42-8EA0-4C55-A4F3-949C867DBEF5}" type="datetimeFigureOut">
               <a:rPr lang="pt-BR" smtClean="0"/>
-              <a:t>09/12/2020</a:t>
+              <a:t>11/12/2020</a:t>
             </a:fld>
             <a:endParaRPr lang="pt-BR"/>
           </a:p>
@@ -4198,7 +4198,7 @@
       </p:sp>
       <p:pic>
         <p:nvPicPr>
-          <p:cNvPr id="5122" name="Picture 2"/>
+          <p:cNvPr id="1026" name="Picture 2"/>
           <p:cNvPicPr>
             <a:picLocks noGrp="1" noChangeAspect="1" noChangeArrowheads="1"/>
           </p:cNvPicPr>
@@ -4221,8 +4221,8 @@
         </p:blipFill>
         <p:spPr bwMode="auto">
           <a:xfrm>
-            <a:off x="-40986" y="0"/>
-            <a:ext cx="9184986" cy="6858000"/>
+            <a:off x="17918" y="0"/>
+            <a:ext cx="9179606" cy="6858000"/>
           </a:xfrm>
           <a:prstGeom prst="rect">
             <a:avLst/>
